--- a/figures/raggedLinkedList.pptx
+++ b/figures/raggedLinkedList.pptx
@@ -107,6 +107,11 @@
       </a:defRPr>
     </a:lvl9pPr>
   </p:defaultTextStyle>
+  <p:extLst>
+    <p:ext uri="{EFAFB233-063F-42B5-8137-9DF3F51BA10A}">
+      <p15:sldGuideLst xmlns:p15="http://schemas.microsoft.com/office/powerpoint/2012/main"/>
+    </p:ext>
+  </p:extLst>
 </p:presentation>
 </file>
 
@@ -192,7 +197,7 @@
           <a:p>
             <a:fld id="{B8B78E77-E6DC-C74E-BEAD-10027EE19D82}" type="datetimeFigureOut">
               <a:rPr lang="en-US" smtClean="0"/>
-              <a:t>9/29/17</a:t>
+              <a:t>9/19/22</a:t>
             </a:fld>
             <a:endParaRPr lang="en-US"/>
           </a:p>
@@ -256,38 +261,37 @@
           <a:p>
             <a:pPr lvl="0"/>
             <a:r>
-              <a:rPr lang="en-US" smtClean="0"/>
+              <a:rPr lang="en-US"/>
               <a:t>Click to edit Master text styles</a:t>
             </a:r>
           </a:p>
           <a:p>
             <a:pPr lvl="1"/>
             <a:r>
-              <a:rPr lang="en-US" smtClean="0"/>
+              <a:rPr lang="en-US"/>
               <a:t>Second level</a:t>
             </a:r>
           </a:p>
           <a:p>
             <a:pPr lvl="2"/>
             <a:r>
-              <a:rPr lang="en-US" smtClean="0"/>
+              <a:rPr lang="en-US"/>
               <a:t>Third level</a:t>
             </a:r>
           </a:p>
           <a:p>
             <a:pPr lvl="3"/>
             <a:r>
-              <a:rPr lang="en-US" smtClean="0"/>
+              <a:rPr lang="en-US"/>
               <a:t>Fourth level</a:t>
             </a:r>
           </a:p>
           <a:p>
             <a:pPr lvl="4"/>
             <a:r>
-              <a:rPr lang="en-US" smtClean="0"/>
+              <a:rPr lang="en-US"/>
               <a:t>Fifth level</a:t>
             </a:r>
-            <a:endParaRPr lang="en-US"/>
           </a:p>
         </p:txBody>
       </p:sp>
@@ -591,7 +595,7 @@
           </a:lstStyle>
           <a:p>
             <a:r>
-              <a:rPr lang="en-US" smtClean="0"/>
+              <a:rPr lang="en-US"/>
               <a:t>Click to edit Master title style</a:t>
             </a:r>
             <a:endParaRPr lang="en-US" dirty="0"/>
@@ -656,7 +660,7 @@
           </a:lstStyle>
           <a:p>
             <a:r>
-              <a:rPr lang="en-US" smtClean="0"/>
+              <a:rPr lang="en-US"/>
               <a:t>Click to edit Master subtitle style</a:t>
             </a:r>
             <a:endParaRPr lang="en-US" dirty="0"/>
@@ -680,7 +684,7 @@
           <a:p>
             <a:fld id="{4094A262-D998-1A4D-AA74-601A2F50E65F}" type="datetimeFigureOut">
               <a:rPr lang="en-US" smtClean="0"/>
-              <a:t>9/29/17</a:t>
+              <a:t>9/19/22</a:t>
             </a:fld>
             <a:endParaRPr lang="en-US"/>
           </a:p>
@@ -769,7 +773,7 @@
           <a:lstStyle/>
           <a:p>
             <a:r>
-              <a:rPr lang="en-US" smtClean="0"/>
+              <a:rPr lang="en-US"/>
               <a:t>Click to edit Master title style</a:t>
             </a:r>
             <a:endParaRPr lang="en-US" dirty="0"/>
@@ -793,35 +797,35 @@
           <a:p>
             <a:pPr lvl="0"/>
             <a:r>
-              <a:rPr lang="en-US" smtClean="0"/>
+              <a:rPr lang="en-US"/>
               <a:t>Click to edit Master text styles</a:t>
             </a:r>
           </a:p>
           <a:p>
             <a:pPr lvl="1"/>
             <a:r>
-              <a:rPr lang="en-US" smtClean="0"/>
+              <a:rPr lang="en-US"/>
               <a:t>Second level</a:t>
             </a:r>
           </a:p>
           <a:p>
             <a:pPr lvl="2"/>
             <a:r>
-              <a:rPr lang="en-US" smtClean="0"/>
+              <a:rPr lang="en-US"/>
               <a:t>Third level</a:t>
             </a:r>
           </a:p>
           <a:p>
             <a:pPr lvl="3"/>
             <a:r>
-              <a:rPr lang="en-US" smtClean="0"/>
+              <a:rPr lang="en-US"/>
               <a:t>Fourth level</a:t>
             </a:r>
           </a:p>
           <a:p>
             <a:pPr lvl="4"/>
             <a:r>
-              <a:rPr lang="en-US" smtClean="0"/>
+              <a:rPr lang="en-US"/>
               <a:t>Fifth level</a:t>
             </a:r>
             <a:endParaRPr lang="en-US" dirty="0"/>
@@ -845,7 +849,7 @@
           <a:p>
             <a:fld id="{4094A262-D998-1A4D-AA74-601A2F50E65F}" type="datetimeFigureOut">
               <a:rPr lang="en-US" smtClean="0"/>
-              <a:t>9/29/17</a:t>
+              <a:t>9/19/22</a:t>
             </a:fld>
             <a:endParaRPr lang="en-US"/>
           </a:p>
@@ -939,7 +943,7 @@
           <a:lstStyle/>
           <a:p>
             <a:r>
-              <a:rPr lang="en-US" smtClean="0"/>
+              <a:rPr lang="en-US"/>
               <a:t>Click to edit Master title style</a:t>
             </a:r>
             <a:endParaRPr lang="en-US" dirty="0"/>
@@ -968,35 +972,35 @@
           <a:p>
             <a:pPr lvl="0"/>
             <a:r>
-              <a:rPr lang="en-US" smtClean="0"/>
+              <a:rPr lang="en-US"/>
               <a:t>Click to edit Master text styles</a:t>
             </a:r>
           </a:p>
           <a:p>
             <a:pPr lvl="1"/>
             <a:r>
-              <a:rPr lang="en-US" smtClean="0"/>
+              <a:rPr lang="en-US"/>
               <a:t>Second level</a:t>
             </a:r>
           </a:p>
           <a:p>
             <a:pPr lvl="2"/>
             <a:r>
-              <a:rPr lang="en-US" smtClean="0"/>
+              <a:rPr lang="en-US"/>
               <a:t>Third level</a:t>
             </a:r>
           </a:p>
           <a:p>
             <a:pPr lvl="3"/>
             <a:r>
-              <a:rPr lang="en-US" smtClean="0"/>
+              <a:rPr lang="en-US"/>
               <a:t>Fourth level</a:t>
             </a:r>
           </a:p>
           <a:p>
             <a:pPr lvl="4"/>
             <a:r>
-              <a:rPr lang="en-US" smtClean="0"/>
+              <a:rPr lang="en-US"/>
               <a:t>Fifth level</a:t>
             </a:r>
             <a:endParaRPr lang="en-US" dirty="0"/>
@@ -1020,7 +1024,7 @@
           <a:p>
             <a:fld id="{4094A262-D998-1A4D-AA74-601A2F50E65F}" type="datetimeFigureOut">
               <a:rPr lang="en-US" smtClean="0"/>
-              <a:t>9/29/17</a:t>
+              <a:t>9/19/22</a:t>
             </a:fld>
             <a:endParaRPr lang="en-US"/>
           </a:p>
@@ -1109,7 +1113,7 @@
           <a:lstStyle/>
           <a:p>
             <a:r>
-              <a:rPr lang="en-US" smtClean="0"/>
+              <a:rPr lang="en-US"/>
               <a:t>Click to edit Master title style</a:t>
             </a:r>
             <a:endParaRPr lang="en-US" dirty="0"/>
@@ -1133,35 +1137,35 @@
           <a:p>
             <a:pPr lvl="0"/>
             <a:r>
-              <a:rPr lang="en-US" smtClean="0"/>
+              <a:rPr lang="en-US"/>
               <a:t>Click to edit Master text styles</a:t>
             </a:r>
           </a:p>
           <a:p>
             <a:pPr lvl="1"/>
             <a:r>
-              <a:rPr lang="en-US" smtClean="0"/>
+              <a:rPr lang="en-US"/>
               <a:t>Second level</a:t>
             </a:r>
           </a:p>
           <a:p>
             <a:pPr lvl="2"/>
             <a:r>
-              <a:rPr lang="en-US" smtClean="0"/>
+              <a:rPr lang="en-US"/>
               <a:t>Third level</a:t>
             </a:r>
           </a:p>
           <a:p>
             <a:pPr lvl="3"/>
             <a:r>
-              <a:rPr lang="en-US" smtClean="0"/>
+              <a:rPr lang="en-US"/>
               <a:t>Fourth level</a:t>
             </a:r>
           </a:p>
           <a:p>
             <a:pPr lvl="4"/>
             <a:r>
-              <a:rPr lang="en-US" smtClean="0"/>
+              <a:rPr lang="en-US"/>
               <a:t>Fifth level</a:t>
             </a:r>
             <a:endParaRPr lang="en-US" dirty="0"/>
@@ -1185,7 +1189,7 @@
           <a:p>
             <a:fld id="{4094A262-D998-1A4D-AA74-601A2F50E65F}" type="datetimeFigureOut">
               <a:rPr lang="en-US" smtClean="0"/>
-              <a:t>9/29/17</a:t>
+              <a:t>9/19/22</a:t>
             </a:fld>
             <a:endParaRPr lang="en-US"/>
           </a:p>
@@ -1283,7 +1287,7 @@
           </a:lstStyle>
           <a:p>
             <a:r>
-              <a:rPr lang="en-US" smtClean="0"/>
+              <a:rPr lang="en-US"/>
               <a:t>Click to edit Master title style</a:t>
             </a:r>
             <a:endParaRPr lang="en-US" dirty="0"/>
@@ -1403,7 +1407,7 @@
           <a:p>
             <a:pPr lvl="0"/>
             <a:r>
-              <a:rPr lang="en-US" smtClean="0"/>
+              <a:rPr lang="en-US"/>
               <a:t>Click to edit Master text styles</a:t>
             </a:r>
           </a:p>
@@ -1426,7 +1430,7 @@
           <a:p>
             <a:fld id="{4094A262-D998-1A4D-AA74-601A2F50E65F}" type="datetimeFigureOut">
               <a:rPr lang="en-US" smtClean="0"/>
-              <a:t>9/29/17</a:t>
+              <a:t>9/19/22</a:t>
             </a:fld>
             <a:endParaRPr lang="en-US"/>
           </a:p>
@@ -1515,7 +1519,7 @@
           <a:lstStyle/>
           <a:p>
             <a:r>
-              <a:rPr lang="en-US" smtClean="0"/>
+              <a:rPr lang="en-US"/>
               <a:t>Click to edit Master title style</a:t>
             </a:r>
             <a:endParaRPr lang="en-US" dirty="0"/>
@@ -1544,35 +1548,35 @@
           <a:p>
             <a:pPr lvl="0"/>
             <a:r>
-              <a:rPr lang="en-US" smtClean="0"/>
+              <a:rPr lang="en-US"/>
               <a:t>Click to edit Master text styles</a:t>
             </a:r>
           </a:p>
           <a:p>
             <a:pPr lvl="1"/>
             <a:r>
-              <a:rPr lang="en-US" smtClean="0"/>
+              <a:rPr lang="en-US"/>
               <a:t>Second level</a:t>
             </a:r>
           </a:p>
           <a:p>
             <a:pPr lvl="2"/>
             <a:r>
-              <a:rPr lang="en-US" smtClean="0"/>
+              <a:rPr lang="en-US"/>
               <a:t>Third level</a:t>
             </a:r>
           </a:p>
           <a:p>
             <a:pPr lvl="3"/>
             <a:r>
-              <a:rPr lang="en-US" smtClean="0"/>
+              <a:rPr lang="en-US"/>
               <a:t>Fourth level</a:t>
             </a:r>
           </a:p>
           <a:p>
             <a:pPr lvl="4"/>
             <a:r>
-              <a:rPr lang="en-US" smtClean="0"/>
+              <a:rPr lang="en-US"/>
               <a:t>Fifth level</a:t>
             </a:r>
             <a:endParaRPr lang="en-US" dirty="0"/>
@@ -1601,35 +1605,35 @@
           <a:p>
             <a:pPr lvl="0"/>
             <a:r>
-              <a:rPr lang="en-US" smtClean="0"/>
+              <a:rPr lang="en-US"/>
               <a:t>Click to edit Master text styles</a:t>
             </a:r>
           </a:p>
           <a:p>
             <a:pPr lvl="1"/>
             <a:r>
-              <a:rPr lang="en-US" smtClean="0"/>
+              <a:rPr lang="en-US"/>
               <a:t>Second level</a:t>
             </a:r>
           </a:p>
           <a:p>
             <a:pPr lvl="2"/>
             <a:r>
-              <a:rPr lang="en-US" smtClean="0"/>
+              <a:rPr lang="en-US"/>
               <a:t>Third level</a:t>
             </a:r>
           </a:p>
           <a:p>
             <a:pPr lvl="3"/>
             <a:r>
-              <a:rPr lang="en-US" smtClean="0"/>
+              <a:rPr lang="en-US"/>
               <a:t>Fourth level</a:t>
             </a:r>
           </a:p>
           <a:p>
             <a:pPr lvl="4"/>
             <a:r>
-              <a:rPr lang="en-US" smtClean="0"/>
+              <a:rPr lang="en-US"/>
               <a:t>Fifth level</a:t>
             </a:r>
             <a:endParaRPr lang="en-US" dirty="0"/>
@@ -1653,7 +1657,7 @@
           <a:p>
             <a:fld id="{4094A262-D998-1A4D-AA74-601A2F50E65F}" type="datetimeFigureOut">
               <a:rPr lang="en-US" smtClean="0"/>
-              <a:t>9/29/17</a:t>
+              <a:t>9/19/22</a:t>
             </a:fld>
             <a:endParaRPr lang="en-US"/>
           </a:p>
@@ -1747,7 +1751,7 @@
           <a:lstStyle/>
           <a:p>
             <a:r>
-              <a:rPr lang="en-US" smtClean="0"/>
+              <a:rPr lang="en-US"/>
               <a:t>Click to edit Master title style</a:t>
             </a:r>
             <a:endParaRPr lang="en-US" dirty="0"/>
@@ -1813,7 +1817,7 @@
           <a:p>
             <a:pPr lvl="0"/>
             <a:r>
-              <a:rPr lang="en-US" smtClean="0"/>
+              <a:rPr lang="en-US"/>
               <a:t>Click to edit Master text styles</a:t>
             </a:r>
           </a:p>
@@ -1841,35 +1845,35 @@
           <a:p>
             <a:pPr lvl="0"/>
             <a:r>
-              <a:rPr lang="en-US" smtClean="0"/>
+              <a:rPr lang="en-US"/>
               <a:t>Click to edit Master text styles</a:t>
             </a:r>
           </a:p>
           <a:p>
             <a:pPr lvl="1"/>
             <a:r>
-              <a:rPr lang="en-US" smtClean="0"/>
+              <a:rPr lang="en-US"/>
               <a:t>Second level</a:t>
             </a:r>
           </a:p>
           <a:p>
             <a:pPr lvl="2"/>
             <a:r>
-              <a:rPr lang="en-US" smtClean="0"/>
+              <a:rPr lang="en-US"/>
               <a:t>Third level</a:t>
             </a:r>
           </a:p>
           <a:p>
             <a:pPr lvl="3"/>
             <a:r>
-              <a:rPr lang="en-US" smtClean="0"/>
+              <a:rPr lang="en-US"/>
               <a:t>Fourth level</a:t>
             </a:r>
           </a:p>
           <a:p>
             <a:pPr lvl="4"/>
             <a:r>
-              <a:rPr lang="en-US" smtClean="0"/>
+              <a:rPr lang="en-US"/>
               <a:t>Fifth level</a:t>
             </a:r>
             <a:endParaRPr lang="en-US" dirty="0"/>
@@ -1935,7 +1939,7 @@
           <a:p>
             <a:pPr lvl="0"/>
             <a:r>
-              <a:rPr lang="en-US" smtClean="0"/>
+              <a:rPr lang="en-US"/>
               <a:t>Click to edit Master text styles</a:t>
             </a:r>
           </a:p>
@@ -1963,35 +1967,35 @@
           <a:p>
             <a:pPr lvl="0"/>
             <a:r>
-              <a:rPr lang="en-US" smtClean="0"/>
+              <a:rPr lang="en-US"/>
               <a:t>Click to edit Master text styles</a:t>
             </a:r>
           </a:p>
           <a:p>
             <a:pPr lvl="1"/>
             <a:r>
-              <a:rPr lang="en-US" smtClean="0"/>
+              <a:rPr lang="en-US"/>
               <a:t>Second level</a:t>
             </a:r>
           </a:p>
           <a:p>
             <a:pPr lvl="2"/>
             <a:r>
-              <a:rPr lang="en-US" smtClean="0"/>
+              <a:rPr lang="en-US"/>
               <a:t>Third level</a:t>
             </a:r>
           </a:p>
           <a:p>
             <a:pPr lvl="3"/>
             <a:r>
-              <a:rPr lang="en-US" smtClean="0"/>
+              <a:rPr lang="en-US"/>
               <a:t>Fourth level</a:t>
             </a:r>
           </a:p>
           <a:p>
             <a:pPr lvl="4"/>
             <a:r>
-              <a:rPr lang="en-US" smtClean="0"/>
+              <a:rPr lang="en-US"/>
               <a:t>Fifth level</a:t>
             </a:r>
             <a:endParaRPr lang="en-US" dirty="0"/>
@@ -2015,7 +2019,7 @@
           <a:p>
             <a:fld id="{4094A262-D998-1A4D-AA74-601A2F50E65F}" type="datetimeFigureOut">
               <a:rPr lang="en-US" smtClean="0"/>
-              <a:t>9/29/17</a:t>
+              <a:t>9/19/22</a:t>
             </a:fld>
             <a:endParaRPr lang="en-US"/>
           </a:p>
@@ -2104,7 +2108,7 @@
           <a:lstStyle/>
           <a:p>
             <a:r>
-              <a:rPr lang="en-US" smtClean="0"/>
+              <a:rPr lang="en-US"/>
               <a:t>Click to edit Master title style</a:t>
             </a:r>
             <a:endParaRPr lang="en-US" dirty="0"/>
@@ -2128,7 +2132,7 @@
           <a:p>
             <a:fld id="{4094A262-D998-1A4D-AA74-601A2F50E65F}" type="datetimeFigureOut">
               <a:rPr lang="en-US" smtClean="0"/>
-              <a:t>9/29/17</a:t>
+              <a:t>9/19/22</a:t>
             </a:fld>
             <a:endParaRPr lang="en-US"/>
           </a:p>
@@ -2218,7 +2222,7 @@
           <a:p>
             <a:fld id="{4094A262-D998-1A4D-AA74-601A2F50E65F}" type="datetimeFigureOut">
               <a:rPr lang="en-US" smtClean="0"/>
-              <a:t>9/29/17</a:t>
+              <a:t>9/19/22</a:t>
             </a:fld>
             <a:endParaRPr lang="en-US"/>
           </a:p>
@@ -2316,7 +2320,7 @@
           </a:lstStyle>
           <a:p>
             <a:r>
-              <a:rPr lang="en-US" smtClean="0"/>
+              <a:rPr lang="en-US"/>
               <a:t>Click to edit Master title style</a:t>
             </a:r>
             <a:endParaRPr lang="en-US" dirty="0"/>
@@ -2373,35 +2377,35 @@
           <a:p>
             <a:pPr lvl="0"/>
             <a:r>
-              <a:rPr lang="en-US" smtClean="0"/>
+              <a:rPr lang="en-US"/>
               <a:t>Click to edit Master text styles</a:t>
             </a:r>
           </a:p>
           <a:p>
             <a:pPr lvl="1"/>
             <a:r>
-              <a:rPr lang="en-US" smtClean="0"/>
+              <a:rPr lang="en-US"/>
               <a:t>Second level</a:t>
             </a:r>
           </a:p>
           <a:p>
             <a:pPr lvl="2"/>
             <a:r>
-              <a:rPr lang="en-US" smtClean="0"/>
+              <a:rPr lang="en-US"/>
               <a:t>Third level</a:t>
             </a:r>
           </a:p>
           <a:p>
             <a:pPr lvl="3"/>
             <a:r>
-              <a:rPr lang="en-US" smtClean="0"/>
+              <a:rPr lang="en-US"/>
               <a:t>Fourth level</a:t>
             </a:r>
           </a:p>
           <a:p>
             <a:pPr lvl="4"/>
             <a:r>
-              <a:rPr lang="en-US" smtClean="0"/>
+              <a:rPr lang="en-US"/>
               <a:t>Fifth level</a:t>
             </a:r>
             <a:endParaRPr lang="en-US" dirty="0"/>
@@ -2467,7 +2471,7 @@
           <a:p>
             <a:pPr lvl="0"/>
             <a:r>
-              <a:rPr lang="en-US" smtClean="0"/>
+              <a:rPr lang="en-US"/>
               <a:t>Click to edit Master text styles</a:t>
             </a:r>
           </a:p>
@@ -2490,7 +2494,7 @@
           <a:p>
             <a:fld id="{4094A262-D998-1A4D-AA74-601A2F50E65F}" type="datetimeFigureOut">
               <a:rPr lang="en-US" smtClean="0"/>
-              <a:t>9/29/17</a:t>
+              <a:t>9/19/22</a:t>
             </a:fld>
             <a:endParaRPr lang="en-US"/>
           </a:p>
@@ -2588,7 +2592,7 @@
           </a:lstStyle>
           <a:p>
             <a:r>
-              <a:rPr lang="en-US" smtClean="0"/>
+              <a:rPr lang="en-US"/>
               <a:t>Click to edit Master title style</a:t>
             </a:r>
             <a:endParaRPr lang="en-US" dirty="0"/>
@@ -2653,7 +2657,7 @@
           </a:lstStyle>
           <a:p>
             <a:r>
-              <a:rPr lang="en-US" smtClean="0"/>
+              <a:rPr lang="en-US"/>
               <a:t>Drag picture to placeholder or click icon to add</a:t>
             </a:r>
             <a:endParaRPr lang="en-US" dirty="0"/>
@@ -2719,7 +2723,7 @@
           <a:p>
             <a:pPr lvl="0"/>
             <a:r>
-              <a:rPr lang="en-US" smtClean="0"/>
+              <a:rPr lang="en-US"/>
               <a:t>Click to edit Master text styles</a:t>
             </a:r>
           </a:p>
@@ -2742,7 +2746,7 @@
           <a:p>
             <a:fld id="{4094A262-D998-1A4D-AA74-601A2F50E65F}" type="datetimeFigureOut">
               <a:rPr lang="en-US" smtClean="0"/>
-              <a:t>9/29/17</a:t>
+              <a:t>9/19/22</a:t>
             </a:fld>
             <a:endParaRPr lang="en-US"/>
           </a:p>
@@ -2846,7 +2850,7 @@
           <a:lstStyle/>
           <a:p>
             <a:r>
-              <a:rPr lang="en-US" smtClean="0"/>
+              <a:rPr lang="en-US"/>
               <a:t>Click to edit Master title style</a:t>
             </a:r>
             <a:endParaRPr lang="en-US" dirty="0"/>
@@ -2880,35 +2884,35 @@
           <a:p>
             <a:pPr lvl="0"/>
             <a:r>
-              <a:rPr lang="en-US" smtClean="0"/>
+              <a:rPr lang="en-US"/>
               <a:t>Click to edit Master text styles</a:t>
             </a:r>
           </a:p>
           <a:p>
             <a:pPr lvl="1"/>
             <a:r>
-              <a:rPr lang="en-US" smtClean="0"/>
+              <a:rPr lang="en-US"/>
               <a:t>Second level</a:t>
             </a:r>
           </a:p>
           <a:p>
             <a:pPr lvl="2"/>
             <a:r>
-              <a:rPr lang="en-US" smtClean="0"/>
+              <a:rPr lang="en-US"/>
               <a:t>Third level</a:t>
             </a:r>
           </a:p>
           <a:p>
             <a:pPr lvl="3"/>
             <a:r>
-              <a:rPr lang="en-US" smtClean="0"/>
+              <a:rPr lang="en-US"/>
               <a:t>Fourth level</a:t>
             </a:r>
           </a:p>
           <a:p>
             <a:pPr lvl="4"/>
             <a:r>
-              <a:rPr lang="en-US" smtClean="0"/>
+              <a:rPr lang="en-US"/>
               <a:t>Fifth level</a:t>
             </a:r>
             <a:endParaRPr lang="en-US" dirty="0"/>
@@ -2950,7 +2954,7 @@
           <a:p>
             <a:fld id="{4094A262-D998-1A4D-AA74-601A2F50E65F}" type="datetimeFigureOut">
               <a:rPr lang="en-US" smtClean="0"/>
-              <a:t>9/29/17</a:t>
+              <a:t>9/19/22</a:t>
             </a:fld>
             <a:endParaRPr lang="en-US"/>
           </a:p>
@@ -3363,7 +3367,7 @@
         </p:nvSpPr>
         <p:spPr>
           <a:xfrm>
-            <a:off x="503933" y="253343"/>
+            <a:off x="270021" y="104307"/>
             <a:ext cx="1080018" cy="523292"/>
           </a:xfrm>
           <a:prstGeom prst="rect">
@@ -3417,7 +3421,7 @@
         </p:nvSpPr>
         <p:spPr>
           <a:xfrm>
-            <a:off x="1583956" y="253343"/>
+            <a:off x="1350044" y="104307"/>
             <a:ext cx="522515" cy="523292"/>
           </a:xfrm>
           <a:prstGeom prst="rect">
@@ -3457,10 +3461,9 @@
           <a:p>
             <a:pPr algn="ctr"/>
             <a:r>
-              <a:rPr lang="en-US"/>
+              <a:rPr lang="en-US" dirty="0"/>
               <a:t>” </a:t>
             </a:r>
-            <a:endParaRPr lang="en-US" dirty="0"/>
           </a:p>
         </p:txBody>
       </p:sp>
@@ -3472,7 +3475,7 @@
         </p:nvSpPr>
         <p:spPr>
           <a:xfrm>
-            <a:off x="2646475" y="272004"/>
+            <a:off x="2412563" y="104307"/>
             <a:ext cx="1080018" cy="523292"/>
           </a:xfrm>
           <a:prstGeom prst="rect">
@@ -3538,7 +3541,7 @@
         </p:nvSpPr>
         <p:spPr>
           <a:xfrm>
-            <a:off x="3725331" y="272004"/>
+            <a:off x="3491419" y="104307"/>
             <a:ext cx="522515" cy="523292"/>
           </a:xfrm>
           <a:prstGeom prst="rect">
@@ -3578,10 +3581,9 @@
           <a:p>
             <a:pPr algn="ctr"/>
             <a:r>
-              <a:rPr lang="en-US"/>
+              <a:rPr lang="en-US" dirty="0"/>
               <a:t>” </a:t>
             </a:r>
-            <a:endParaRPr lang="en-US" dirty="0"/>
           </a:p>
         </p:txBody>
       </p:sp>
@@ -3593,7 +3595,7 @@
         </p:nvSpPr>
         <p:spPr>
           <a:xfrm>
-            <a:off x="4824005" y="272004"/>
+            <a:off x="4590060" y="104307"/>
             <a:ext cx="1080018" cy="523292"/>
           </a:xfrm>
           <a:prstGeom prst="rect">
@@ -3659,7 +3661,7 @@
         </p:nvSpPr>
         <p:spPr>
           <a:xfrm>
-            <a:off x="5904028" y="272004"/>
+            <a:off x="5667045" y="104307"/>
             <a:ext cx="522515" cy="523292"/>
           </a:xfrm>
           <a:prstGeom prst="rect">
@@ -3699,23 +3701,25 @@
           <a:p>
             <a:pPr algn="ctr"/>
             <a:r>
-              <a:rPr lang="en-US"/>
+              <a:rPr lang="en-US" dirty="0"/>
               <a:t>” </a:t>
             </a:r>
-            <a:endParaRPr lang="en-US" dirty="0"/>
           </a:p>
         </p:txBody>
       </p:sp>
       <p:cxnSp>
         <p:nvCxnSpPr>
           <p:cNvPr id="20" name="Straight Connector 19"/>
-          <p:cNvCxnSpPr/>
+          <p:cNvCxnSpPr>
+            <a:cxnSpLocks/>
+            <a:endCxn id="7" idx="1"/>
+          </p:cNvCxnSpPr>
           <p:nvPr/>
         </p:nvCxnSpPr>
         <p:spPr>
           <a:xfrm>
-            <a:off x="1824651" y="533650"/>
-            <a:ext cx="821821" cy="18660"/>
+            <a:off x="1590747" y="365953"/>
+            <a:ext cx="821816" cy="0"/>
           </a:xfrm>
           <a:prstGeom prst="line">
             <a:avLst/>
@@ -3746,13 +3750,16 @@
       <p:cxnSp>
         <p:nvCxnSpPr>
           <p:cNvPr id="23" name="Straight Connector 22"/>
-          <p:cNvCxnSpPr/>
+          <p:cNvCxnSpPr>
+            <a:cxnSpLocks/>
+            <a:endCxn id="9" idx="1"/>
+          </p:cNvCxnSpPr>
           <p:nvPr/>
         </p:nvCxnSpPr>
         <p:spPr>
           <a:xfrm>
-            <a:off x="3976923" y="546468"/>
-            <a:ext cx="821821" cy="18660"/>
+            <a:off x="3763140" y="365953"/>
+            <a:ext cx="826920" cy="0"/>
           </a:xfrm>
           <a:prstGeom prst="line">
             <a:avLst/>
@@ -3788,7 +3795,7 @@
         </p:nvSpPr>
         <p:spPr>
           <a:xfrm>
-            <a:off x="503933" y="1333791"/>
+            <a:off x="270021" y="1170760"/>
             <a:ext cx="1080018" cy="523292"/>
           </a:xfrm>
           <a:prstGeom prst="rect">
@@ -3839,7 +3846,7 @@
         </p:nvSpPr>
         <p:spPr>
           <a:xfrm>
-            <a:off x="1583956" y="1333791"/>
+            <a:off x="1350042" y="1170760"/>
             <a:ext cx="522515" cy="523292"/>
           </a:xfrm>
           <a:prstGeom prst="rect">
@@ -3894,7 +3901,7 @@
         </p:nvSpPr>
         <p:spPr>
           <a:xfrm>
-            <a:off x="2646475" y="1352452"/>
+            <a:off x="2411985" y="1170760"/>
             <a:ext cx="1080018" cy="523292"/>
           </a:xfrm>
           <a:prstGeom prst="rect">
@@ -3960,7 +3967,7 @@
         </p:nvSpPr>
         <p:spPr>
           <a:xfrm>
-            <a:off x="3725331" y="1352452"/>
+            <a:off x="3497382" y="1170528"/>
             <a:ext cx="522515" cy="523292"/>
           </a:xfrm>
           <a:prstGeom prst="rect">
@@ -4015,7 +4022,7 @@
         </p:nvSpPr>
         <p:spPr>
           <a:xfrm>
-            <a:off x="4824005" y="1352452"/>
+            <a:off x="4594168" y="1170528"/>
             <a:ext cx="1080018" cy="523292"/>
           </a:xfrm>
           <a:prstGeom prst="rect">
@@ -4081,7 +4088,7 @@
         </p:nvSpPr>
         <p:spPr>
           <a:xfrm>
-            <a:off x="5904028" y="1352452"/>
+            <a:off x="5667040" y="1170644"/>
             <a:ext cx="522515" cy="523292"/>
           </a:xfrm>
           <a:prstGeom prst="rect">
@@ -4121,10 +4128,9 @@
           <a:p>
             <a:pPr algn="ctr"/>
             <a:r>
-              <a:rPr lang="en-US"/>
+              <a:rPr lang="en-US" dirty="0"/>
               <a:t>” </a:t>
             </a:r>
-            <a:endParaRPr lang="en-US" dirty="0"/>
           </a:p>
         </p:txBody>
       </p:sp>
@@ -4136,7 +4142,7 @@
         </p:nvSpPr>
         <p:spPr>
           <a:xfrm>
-            <a:off x="6984041" y="1352452"/>
+            <a:off x="6750134" y="1170528"/>
             <a:ext cx="1080018" cy="523292"/>
           </a:xfrm>
           <a:prstGeom prst="rect">
@@ -4199,7 +4205,7 @@
         </p:nvSpPr>
         <p:spPr>
           <a:xfrm>
-            <a:off x="8064064" y="1352452"/>
+            <a:off x="7827683" y="1170528"/>
             <a:ext cx="522515" cy="523292"/>
           </a:xfrm>
           <a:prstGeom prst="rect">
@@ -4239,10 +4245,9 @@
           <a:p>
             <a:pPr algn="ctr"/>
             <a:r>
-              <a:rPr lang="en-US"/>
+              <a:rPr lang="en-US" dirty="0"/>
               <a:t>” </a:t>
             </a:r>
-            <a:endParaRPr lang="en-US" dirty="0"/>
           </a:p>
         </p:txBody>
       </p:sp>
@@ -4250,14 +4255,15 @@
         <p:nvCxnSpPr>
           <p:cNvPr id="33" name="Straight Connector 32"/>
           <p:cNvCxnSpPr>
-            <a:endCxn id="30" idx="1"/>
+            <a:cxnSpLocks/>
+            <a:endCxn id="27" idx="1"/>
           </p:cNvCxnSpPr>
           <p:nvPr/>
         </p:nvCxnSpPr>
         <p:spPr>
           <a:xfrm>
-            <a:off x="1824659" y="1595438"/>
-            <a:ext cx="821821" cy="18660"/>
+            <a:off x="1597896" y="1432174"/>
+            <a:ext cx="814089" cy="232"/>
           </a:xfrm>
           <a:prstGeom prst="line">
             <a:avLst/>
@@ -4288,13 +4294,16 @@
       <p:cxnSp>
         <p:nvCxnSpPr>
           <p:cNvPr id="34" name="Straight Connector 33"/>
-          <p:cNvCxnSpPr/>
+          <p:cNvCxnSpPr>
+            <a:cxnSpLocks/>
+            <a:endCxn id="29" idx="1"/>
+          </p:cNvCxnSpPr>
           <p:nvPr/>
         </p:nvCxnSpPr>
         <p:spPr>
           <a:xfrm>
-            <a:off x="3976923" y="1604768"/>
-            <a:ext cx="821821" cy="18660"/>
+            <a:off x="3752676" y="1432174"/>
+            <a:ext cx="841492" cy="0"/>
           </a:xfrm>
           <a:prstGeom prst="line">
             <a:avLst/>
@@ -4325,13 +4334,16 @@
       <p:cxnSp>
         <p:nvCxnSpPr>
           <p:cNvPr id="35" name="Straight Connector 34"/>
-          <p:cNvCxnSpPr/>
+          <p:cNvCxnSpPr>
+            <a:cxnSpLocks/>
+            <a:endCxn id="31" idx="1"/>
+          </p:cNvCxnSpPr>
           <p:nvPr/>
         </p:nvCxnSpPr>
         <p:spPr>
           <a:xfrm>
-            <a:off x="6162215" y="1623428"/>
-            <a:ext cx="821821" cy="18660"/>
+            <a:off x="5928297" y="1432174"/>
+            <a:ext cx="821837" cy="0"/>
           </a:xfrm>
           <a:prstGeom prst="line">
             <a:avLst/>
@@ -4362,13 +4374,16 @@
       <p:cxnSp>
         <p:nvCxnSpPr>
           <p:cNvPr id="36" name="Straight Connector 35"/>
-          <p:cNvCxnSpPr/>
+          <p:cNvCxnSpPr>
+            <a:cxnSpLocks/>
+            <a:endCxn id="25" idx="0"/>
+          </p:cNvCxnSpPr>
           <p:nvPr/>
         </p:nvCxnSpPr>
         <p:spPr>
           <a:xfrm>
-            <a:off x="1036393" y="542980"/>
-            <a:ext cx="8135" cy="818802"/>
+            <a:off x="810030" y="365953"/>
+            <a:ext cx="0" cy="804807"/>
           </a:xfrm>
           <a:prstGeom prst="line">
             <a:avLst/>
@@ -4396,6 +4411,246 @@
           </a:fontRef>
         </p:style>
       </p:cxnSp>
+      <p:cxnSp>
+        <p:nvCxnSpPr>
+          <p:cNvPr id="2" name="Straight Connector 1">
+            <a:extLst>
+              <a:ext uri="{FF2B5EF4-FFF2-40B4-BE49-F238E27FC236}">
+                <a16:creationId xmlns:a16="http://schemas.microsoft.com/office/drawing/2014/main" id="{A0AABCD2-1D6E-AFEE-7446-3E1F48305FB8}"/>
+              </a:ext>
+            </a:extLst>
+          </p:cNvPr>
+          <p:cNvCxnSpPr>
+            <a:cxnSpLocks/>
+          </p:cNvCxnSpPr>
+          <p:nvPr/>
+        </p:nvCxnSpPr>
+        <p:spPr>
+          <a:xfrm>
+            <a:off x="5928303" y="370860"/>
+            <a:ext cx="540216" cy="0"/>
+          </a:xfrm>
+          <a:prstGeom prst="line">
+            <a:avLst/>
+          </a:prstGeom>
+          <a:ln w="50800">
+            <a:solidFill>
+              <a:schemeClr val="tx1"/>
+            </a:solidFill>
+            <a:headEnd type="oval"/>
+            <a:tailEnd type="none"/>
+          </a:ln>
+        </p:spPr>
+        <p:style>
+          <a:lnRef idx="1">
+            <a:schemeClr val="accent1"/>
+          </a:lnRef>
+          <a:fillRef idx="0">
+            <a:schemeClr val="accent1"/>
+          </a:fillRef>
+          <a:effectRef idx="0">
+            <a:schemeClr val="accent1"/>
+          </a:effectRef>
+          <a:fontRef idx="minor">
+            <a:schemeClr val="tx1"/>
+          </a:fontRef>
+        </p:style>
+      </p:cxnSp>
+      <p:sp>
+        <p:nvSpPr>
+          <p:cNvPr id="3" name="TextBox 2">
+            <a:extLst>
+              <a:ext uri="{FF2B5EF4-FFF2-40B4-BE49-F238E27FC236}">
+                <a16:creationId xmlns:a16="http://schemas.microsoft.com/office/drawing/2014/main" id="{AC6AF102-C7CC-A53B-A2C7-6CC62AF861DA}"/>
+              </a:ext>
+            </a:extLst>
+          </p:cNvPr>
+          <p:cNvSpPr txBox="1"/>
+          <p:nvPr/>
+        </p:nvSpPr>
+        <p:spPr>
+          <a:xfrm>
+            <a:off x="6095613" y="155097"/>
+            <a:ext cx="718466" cy="1015663"/>
+          </a:xfrm>
+          <a:prstGeom prst="rect">
+            <a:avLst/>
+          </a:prstGeom>
+          <a:noFill/>
+        </p:spPr>
+        <p:txBody>
+          <a:bodyPr wrap="none" rtlCol="0">
+            <a:spAutoFit/>
+          </a:bodyPr>
+          <a:lstStyle/>
+          <a:p>
+            <a:r>
+              <a:rPr lang="en-GB" sz="6000" dirty="0"/>
+              <a:t>⏚</a:t>
+            </a:r>
+          </a:p>
+        </p:txBody>
+      </p:sp>
+      <p:cxnSp>
+        <p:nvCxnSpPr>
+          <p:cNvPr id="5" name="Straight Connector 4">
+            <a:extLst>
+              <a:ext uri="{FF2B5EF4-FFF2-40B4-BE49-F238E27FC236}">
+                <a16:creationId xmlns:a16="http://schemas.microsoft.com/office/drawing/2014/main" id="{C529BF01-D0AB-1D28-F17F-505A6095F2A8}"/>
+              </a:ext>
+            </a:extLst>
+          </p:cNvPr>
+          <p:cNvCxnSpPr>
+            <a:cxnSpLocks/>
+          </p:cNvCxnSpPr>
+          <p:nvPr/>
+        </p:nvCxnSpPr>
+        <p:spPr>
+          <a:xfrm>
+            <a:off x="8088940" y="1432174"/>
+            <a:ext cx="542197" cy="0"/>
+          </a:xfrm>
+          <a:prstGeom prst="line">
+            <a:avLst/>
+          </a:prstGeom>
+          <a:ln w="50800">
+            <a:solidFill>
+              <a:schemeClr val="tx1"/>
+            </a:solidFill>
+            <a:headEnd type="oval"/>
+            <a:tailEnd type="none"/>
+          </a:ln>
+        </p:spPr>
+        <p:style>
+          <a:lnRef idx="1">
+            <a:schemeClr val="accent1"/>
+          </a:lnRef>
+          <a:fillRef idx="0">
+            <a:schemeClr val="accent1"/>
+          </a:fillRef>
+          <a:effectRef idx="0">
+            <a:schemeClr val="accent1"/>
+          </a:effectRef>
+          <a:fontRef idx="minor">
+            <a:schemeClr val="tx1"/>
+          </a:fontRef>
+        </p:style>
+      </p:cxnSp>
+      <p:sp>
+        <p:nvSpPr>
+          <p:cNvPr id="11" name="TextBox 10">
+            <a:extLst>
+              <a:ext uri="{FF2B5EF4-FFF2-40B4-BE49-F238E27FC236}">
+                <a16:creationId xmlns:a16="http://schemas.microsoft.com/office/drawing/2014/main" id="{D7F65DB4-8F00-FC46-D774-373912A741AC}"/>
+              </a:ext>
+            </a:extLst>
+          </p:cNvPr>
+          <p:cNvSpPr txBox="1"/>
+          <p:nvPr/>
+        </p:nvSpPr>
+        <p:spPr>
+          <a:xfrm>
+            <a:off x="8267239" y="1213727"/>
+            <a:ext cx="718466" cy="1015663"/>
+          </a:xfrm>
+          <a:prstGeom prst="rect">
+            <a:avLst/>
+          </a:prstGeom>
+          <a:noFill/>
+        </p:spPr>
+        <p:txBody>
+          <a:bodyPr wrap="none" rtlCol="0">
+            <a:spAutoFit/>
+          </a:bodyPr>
+          <a:lstStyle/>
+          <a:p>
+            <a:r>
+              <a:rPr lang="en-GB" sz="6000" dirty="0"/>
+              <a:t>⏚</a:t>
+            </a:r>
+          </a:p>
+        </p:txBody>
+      </p:sp>
+      <p:cxnSp>
+        <p:nvCxnSpPr>
+          <p:cNvPr id="12" name="Straight Connector 11">
+            <a:extLst>
+              <a:ext uri="{FF2B5EF4-FFF2-40B4-BE49-F238E27FC236}">
+                <a16:creationId xmlns:a16="http://schemas.microsoft.com/office/drawing/2014/main" id="{9B46E1E1-FE77-657A-CC18-5188BAF93643}"/>
+              </a:ext>
+            </a:extLst>
+          </p:cNvPr>
+          <p:cNvCxnSpPr>
+            <a:cxnSpLocks/>
+          </p:cNvCxnSpPr>
+          <p:nvPr/>
+        </p:nvCxnSpPr>
+        <p:spPr>
+          <a:xfrm>
+            <a:off x="810030" y="1432174"/>
+            <a:ext cx="0" cy="412713"/>
+          </a:xfrm>
+          <a:prstGeom prst="line">
+            <a:avLst/>
+          </a:prstGeom>
+          <a:ln w="50800">
+            <a:solidFill>
+              <a:schemeClr val="tx1"/>
+            </a:solidFill>
+            <a:headEnd type="oval"/>
+            <a:tailEnd type="none"/>
+          </a:ln>
+        </p:spPr>
+        <p:style>
+          <a:lnRef idx="1">
+            <a:schemeClr val="accent1"/>
+          </a:lnRef>
+          <a:fillRef idx="0">
+            <a:schemeClr val="accent1"/>
+          </a:fillRef>
+          <a:effectRef idx="0">
+            <a:schemeClr val="accent1"/>
+          </a:effectRef>
+          <a:fontRef idx="minor">
+            <a:schemeClr val="tx1"/>
+          </a:fontRef>
+        </p:style>
+      </p:cxnSp>
+      <p:sp>
+        <p:nvSpPr>
+          <p:cNvPr id="14" name="TextBox 13">
+            <a:extLst>
+              <a:ext uri="{FF2B5EF4-FFF2-40B4-BE49-F238E27FC236}">
+                <a16:creationId xmlns:a16="http://schemas.microsoft.com/office/drawing/2014/main" id="{EC7E5CAC-9817-2D37-7CDE-A020D20D0C91}"/>
+              </a:ext>
+            </a:extLst>
+          </p:cNvPr>
+          <p:cNvSpPr txBox="1"/>
+          <p:nvPr/>
+        </p:nvSpPr>
+        <p:spPr>
+          <a:xfrm>
+            <a:off x="462668" y="1337055"/>
+            <a:ext cx="718466" cy="1015663"/>
+          </a:xfrm>
+          <a:prstGeom prst="rect">
+            <a:avLst/>
+          </a:prstGeom>
+          <a:noFill/>
+        </p:spPr>
+        <p:txBody>
+          <a:bodyPr wrap="none" rtlCol="0">
+            <a:spAutoFit/>
+          </a:bodyPr>
+          <a:lstStyle/>
+          <a:p>
+            <a:r>
+              <a:rPr lang="en-GB" sz="6000" dirty="0"/>
+              <a:t>⏚</a:t>
+            </a:r>
+          </a:p>
+        </p:txBody>
+      </p:sp>
     </p:spTree>
     <p:extLst>
       <p:ext uri="{BB962C8B-B14F-4D97-AF65-F5344CB8AC3E}">
